--- a/12_SecondView/12_SecondView.pptx
+++ b/12_SecondView/12_SecondView.pptx
@@ -3703,12 +3703,20 @@
               <a:buChar char="u"/>
             </a:pPr>
             <a:r>
+              <a:rPr lang="en-US" sz="1800">
+                <a:solidFill>
+                  <a:schemeClr val="tx1"/>
+                </a:solidFill>
+              </a:rPr>
+              <a:t>This section</a:t>
+            </a:r>
+            <a:r>
               <a:rPr lang="en-US" sz="1800" dirty="0">
                 <a:solidFill>
                   <a:schemeClr val="tx1"/>
                 </a:solidFill>
               </a:rPr>
-              <a:t>In the last section, we discuss the adding another view of the website.</a:t>
+              <a:t>, we discuss the adding another view of the website.</a:t>
             </a:r>
           </a:p>
           <a:p>
